--- a/lectures/week6/lecture1/slides/week6_lecture1.pptx
+++ b/lectures/week6/lecture1/slides/week6_lecture1.pptx
@@ -2546,14 +2546,11 @@
               <a:rPr lang="en-US" sz="3200" dirty="0"/>
               <a:t> </a:t>
             </a:r>
-            <a:r>
-              <a:rPr lang="en-US" sz="3200" dirty="0">
-                <a:solidFill>
-                  <a:srgbClr val="FFD6AD"/>
-                </a:solidFill>
-              </a:rPr>
-              <a:t>1character</a:t>
-            </a:r>
+            <a:endParaRPr lang="en-US" sz="3200" dirty="0">
+              <a:solidFill>
+                <a:srgbClr val="FFD6AD"/>
+              </a:solidFill>
+            </a:endParaRPr>
           </a:p>
           <a:p>
             <a:endParaRPr lang="en-US" sz="3200" dirty="0">
@@ -6554,7 +6551,19 @@
           <a:p>
             <a:r>
               <a:rPr lang="en-US" dirty="0"/>
-              <a:t>Firstly, all </a:t>
+              <a:t>Firstly</a:t>
+            </a:r>
+            <a:r>
+              <a:rPr lang="en-US" dirty="0">
+                <a:solidFill>
+                  <a:schemeClr val="accent1"/>
+                </a:solidFill>
+              </a:rPr>
+              <a:t>,</a:t>
+            </a:r>
+            <a:r>
+              <a:rPr lang="en-US" dirty="0"/>
+              <a:t> all </a:t>
             </a:r>
             <a:r>
               <a:rPr lang="en-US" dirty="0">
@@ -6580,7 +6589,43 @@
             </a:r>
             <a:r>
               <a:rPr lang="en-US" dirty="0"/>
-              <a:t> loops, and vice-versa. </a:t>
+              <a:t> loops</a:t>
+            </a:r>
+            <a:r>
+              <a:rPr lang="en-US" dirty="0">
+                <a:solidFill>
+                  <a:schemeClr val="accent1"/>
+                </a:solidFill>
+              </a:rPr>
+              <a:t>,</a:t>
+            </a:r>
+            <a:r>
+              <a:rPr lang="en-US" dirty="0"/>
+              <a:t> and vice</a:t>
+            </a:r>
+            <a:r>
+              <a:rPr lang="en-US" dirty="0">
+                <a:solidFill>
+                  <a:schemeClr val="accent1"/>
+                </a:solidFill>
+              </a:rPr>
+              <a:t>-</a:t>
+            </a:r>
+            <a:r>
+              <a:rPr lang="en-US" dirty="0"/>
+              <a:t>versa</a:t>
+            </a:r>
+            <a:r>
+              <a:rPr lang="en-US" dirty="0">
+                <a:solidFill>
+                  <a:schemeClr val="accent1"/>
+                </a:solidFill>
+              </a:rPr>
+              <a:t>.</a:t>
+            </a:r>
+            <a:r>
+              <a:rPr lang="en-US" dirty="0"/>
+              <a:t> </a:t>
             </a:r>
           </a:p>
           <a:p>
@@ -6777,7 +6822,167 @@
           <a:p>
             <a:r>
               <a:rPr lang="en-US" dirty="0"/>
-              <a:t>Problem: You have had your DNA sequenced and each of your chromosomes is represented by a string of nucleotides: adenine (A), thymine (T), guanine (G), and cytosine (C). </a:t>
+              <a:t>Problem</a:t>
+            </a:r>
+            <a:r>
+              <a:rPr lang="en-US" dirty="0">
+                <a:solidFill>
+                  <a:schemeClr val="accent1"/>
+                </a:solidFill>
+              </a:rPr>
+              <a:t>:</a:t>
+            </a:r>
+            <a:r>
+              <a:rPr lang="en-US" dirty="0"/>
+              <a:t> You have had your </a:t>
+            </a:r>
+            <a:r>
+              <a:rPr lang="en-US" b="1" dirty="0"/>
+              <a:t>DNA </a:t>
+            </a:r>
+            <a:r>
+              <a:rPr lang="en-US" dirty="0"/>
+              <a:t>sequenced and each of your chromosomes is represented by a string of nucleotides</a:t>
+            </a:r>
+            <a:r>
+              <a:rPr lang="en-US" dirty="0">
+                <a:solidFill>
+                  <a:schemeClr val="accent1"/>
+                </a:solidFill>
+              </a:rPr>
+              <a:t>:</a:t>
+            </a:r>
+            <a:r>
+              <a:rPr lang="en-US" dirty="0"/>
+              <a:t> adenine </a:t>
+            </a:r>
+            <a:r>
+              <a:rPr lang="en-US" dirty="0">
+                <a:solidFill>
+                  <a:schemeClr val="accent6"/>
+                </a:solidFill>
+              </a:rPr>
+              <a:t>(</a:t>
+            </a:r>
+            <a:r>
+              <a:rPr lang="en-US" dirty="0"/>
+              <a:t>A</a:t>
+            </a:r>
+            <a:r>
+              <a:rPr lang="en-US" dirty="0">
+                <a:solidFill>
+                  <a:schemeClr val="accent6"/>
+                </a:solidFill>
+              </a:rPr>
+              <a:t>)</a:t>
+            </a:r>
+            <a:r>
+              <a:rPr lang="en-US" dirty="0">
+                <a:solidFill>
+                  <a:schemeClr val="accent1"/>
+                </a:solidFill>
+              </a:rPr>
+              <a:t>,</a:t>
+            </a:r>
+            <a:r>
+              <a:rPr lang="en-US" dirty="0"/>
+              <a:t> thymine </a:t>
+            </a:r>
+            <a:r>
+              <a:rPr lang="en-US" dirty="0">
+                <a:solidFill>
+                  <a:schemeClr val="accent6"/>
+                </a:solidFill>
+              </a:rPr>
+              <a:t>(</a:t>
+            </a:r>
+            <a:r>
+              <a:rPr lang="en-US" dirty="0"/>
+              <a:t>T</a:t>
+            </a:r>
+            <a:r>
+              <a:rPr lang="en-US" dirty="0">
+                <a:solidFill>
+                  <a:schemeClr val="accent6"/>
+                </a:solidFill>
+              </a:rPr>
+              <a:t>)</a:t>
+            </a:r>
+            <a:r>
+              <a:rPr lang="en-US" dirty="0">
+                <a:solidFill>
+                  <a:schemeClr val="accent1"/>
+                </a:solidFill>
+              </a:rPr>
+              <a:t>,</a:t>
+            </a:r>
+            <a:r>
+              <a:rPr lang="en-US" dirty="0"/>
+              <a:t> guanine </a:t>
+            </a:r>
+            <a:r>
+              <a:rPr lang="en-US" dirty="0">
+                <a:solidFill>
+                  <a:schemeClr val="accent6"/>
+                </a:solidFill>
+              </a:rPr>
+              <a:t>(</a:t>
+            </a:r>
+            <a:r>
+              <a:rPr lang="en-US" dirty="0"/>
+              <a:t>G</a:t>
+            </a:r>
+            <a:r>
+              <a:rPr lang="en-US" dirty="0">
+                <a:solidFill>
+                  <a:schemeClr val="accent6"/>
+                </a:solidFill>
+              </a:rPr>
+              <a:t>)</a:t>
+            </a:r>
+            <a:r>
+              <a:rPr lang="en-US" dirty="0">
+                <a:solidFill>
+                  <a:schemeClr val="accent1"/>
+                </a:solidFill>
+              </a:rPr>
+              <a:t>,</a:t>
+            </a:r>
+            <a:r>
+              <a:rPr lang="en-US" dirty="0"/>
+              <a:t> and cytosine </a:t>
+            </a:r>
+            <a:r>
+              <a:rPr lang="en-US" dirty="0">
+                <a:solidFill>
+                  <a:schemeClr val="accent6"/>
+                </a:solidFill>
+              </a:rPr>
+              <a:t>(</a:t>
+            </a:r>
+            <a:r>
+              <a:rPr lang="en-US" dirty="0"/>
+              <a:t>C</a:t>
+            </a:r>
+            <a:r>
+              <a:rPr lang="en-US" dirty="0">
+                <a:solidFill>
+                  <a:schemeClr val="accent6"/>
+                </a:solidFill>
+              </a:rPr>
+              <a:t>)</a:t>
+            </a:r>
+            <a:r>
+              <a:rPr lang="en-US" dirty="0">
+                <a:solidFill>
+                  <a:schemeClr val="accent1"/>
+                </a:solidFill>
+              </a:rPr>
+              <a:t>.</a:t>
+            </a:r>
+            <a:r>
+              <a:rPr lang="en-US" dirty="0"/>
+              <a:t> </a:t>
             </a:r>
           </a:p>
           <a:p>
@@ -7315,6 +7520,47 @@
           <a:chExt cx="0" cy="0"/>
         </a:xfrm>
       </p:grpSpPr>
+      <p:cxnSp>
+        <p:nvCxnSpPr>
+          <p:cNvPr id="12" name="Straight Arrow Connector 11">
+            <a:extLst>
+              <a:ext uri="{FF2B5EF4-FFF2-40B4-BE49-F238E27FC236}">
+                <a16:creationId xmlns:a16="http://schemas.microsoft.com/office/drawing/2014/main" id="{D49E5EC9-D8E2-4AE2-915F-A9B29C8F50E4}"/>
+              </a:ext>
+            </a:extLst>
+          </p:cNvPr>
+          <p:cNvCxnSpPr>
+            <a:cxnSpLocks/>
+          </p:cNvCxnSpPr>
+          <p:nvPr/>
+        </p:nvCxnSpPr>
+        <p:spPr>
+          <a:xfrm flipH="1" flipV="1">
+            <a:off x="3787386" y="2884785"/>
+            <a:ext cx="357610" cy="957018"/>
+          </a:xfrm>
+          <a:prstGeom prst="straightConnector1">
+            <a:avLst/>
+          </a:prstGeom>
+          <a:ln w="57150">
+            <a:tailEnd type="triangle"/>
+          </a:ln>
+        </p:spPr>
+        <p:style>
+          <a:lnRef idx="1">
+            <a:schemeClr val="accent1"/>
+          </a:lnRef>
+          <a:fillRef idx="0">
+            <a:schemeClr val="accent1"/>
+          </a:fillRef>
+          <a:effectRef idx="0">
+            <a:schemeClr val="accent1"/>
+          </a:effectRef>
+          <a:fontRef idx="minor">
+            <a:schemeClr val="tx1"/>
+          </a:fontRef>
+        </p:style>
+      </p:cxnSp>
       <p:cxnSp>
         <p:nvCxnSpPr>
           <p:cNvPr id="18" name="Straight Arrow Connector 17">
@@ -7679,7 +7925,7 @@
         </p:spPr>
         <p:txBody>
           <a:bodyPr>
-            <a:normAutofit/>
+            <a:normAutofit lnSpcReduction="10000"/>
           </a:bodyPr>
           <a:lstStyle/>
           <a:p>
@@ -7759,6 +8005,34 @@
             <a:r>
               <a:rPr lang="en-US" dirty="0"/>
               <a:t>is the value of each character</a:t>
+            </a:r>
+            <a:r>
+              <a:rPr lang="en-US" dirty="0">
+                <a:solidFill>
+                  <a:schemeClr val="accent2"/>
+                </a:solidFill>
+              </a:rPr>
+              <a:t>.</a:t>
+            </a:r>
+          </a:p>
+          <a:p>
+            <a:r>
+              <a:rPr lang="en-US" dirty="0"/>
+              <a:t>No indexing </a:t>
+            </a:r>
+            <a:r>
+              <a:rPr lang="en-US" sz="2800" b="1" dirty="0">
+                <a:solidFill>
+                  <a:schemeClr val="accent6"/>
+                </a:solidFill>
+                <a:latin typeface="Courier New" panose="02070309020205020404" pitchFamily="49" charset="0"/>
+                <a:cs typeface="Courier New" panose="02070309020205020404" pitchFamily="49" charset="0"/>
+              </a:rPr>
+              <a:t>[i]</a:t>
+            </a:r>
+            <a:r>
+              <a:rPr lang="en-US" dirty="0"/>
+              <a:t> required in the for loop</a:t>
             </a:r>
             <a:r>
               <a:rPr lang="en-US" dirty="0">
@@ -9349,7 +9623,57 @@
           <a:p>
             <a:r>
               <a:rPr lang="en-US" sz="3200" dirty="0"/>
-              <a:t>Write a function that takes in a string and returns the number of vowels in the string.</a:t>
+              <a:t>Write a function that takes in a string and returns the number of vowels in the string</a:t>
+            </a:r>
+            <a:r>
+              <a:rPr lang="en-US" sz="3200" dirty="0">
+                <a:solidFill>
+                  <a:schemeClr val="accent1"/>
+                </a:solidFill>
+              </a:rPr>
+              <a:t>. (</a:t>
+            </a:r>
+            <a:r>
+              <a:rPr lang="en-US" sz="3200" dirty="0"/>
+              <a:t>use</a:t>
+            </a:r>
+            <a:r>
+              <a:rPr lang="en-US" sz="3200" dirty="0">
+                <a:solidFill>
+                  <a:schemeClr val="accent1"/>
+                </a:solidFill>
+              </a:rPr>
+              <a:t> </a:t>
+            </a:r>
+            <a:r>
+              <a:rPr lang="en-US" sz="3200" b="1" dirty="0">
+                <a:solidFill>
+                  <a:schemeClr val="accent6"/>
+                </a:solidFill>
+                <a:latin typeface="Courier New" panose="02070309020205020404" pitchFamily="49" charset="0"/>
+                <a:cs typeface="Courier New" panose="02070309020205020404" pitchFamily="49" charset="0"/>
+              </a:rPr>
+              <a:t>for</a:t>
+            </a:r>
+            <a:r>
+              <a:rPr lang="en-US" sz="3200" dirty="0">
+                <a:solidFill>
+                  <a:schemeClr val="accent1"/>
+                </a:solidFill>
+              </a:rPr>
+              <a:t> </a:t>
+            </a:r>
+            <a:r>
+              <a:rPr lang="en-US" sz="3200" dirty="0"/>
+              <a:t>loop</a:t>
+            </a:r>
+            <a:r>
+              <a:rPr lang="en-US" sz="3200" dirty="0">
+                <a:solidFill>
+                  <a:schemeClr val="accent1"/>
+                </a:solidFill>
+              </a:rPr>
+              <a:t>)</a:t>
             </a:r>
           </a:p>
           <a:p>
@@ -9523,6 +9847,133 @@
           </a:p>
         </p:txBody>
       </p:sp>
+      <p:sp>
+        <p:nvSpPr>
+          <p:cNvPr id="4" name="TextBox 3">
+            <a:extLst>
+              <a:ext uri="{FF2B5EF4-FFF2-40B4-BE49-F238E27FC236}">
+                <a16:creationId xmlns:a16="http://schemas.microsoft.com/office/drawing/2014/main" id="{6676C54F-E834-416E-98EA-ADECA9251F71}"/>
+              </a:ext>
+            </a:extLst>
+          </p:cNvPr>
+          <p:cNvSpPr txBox="1"/>
+          <p:nvPr/>
+        </p:nvSpPr>
+        <p:spPr>
+          <a:xfrm>
+            <a:off x="8276795" y="973836"/>
+            <a:ext cx="2918748" cy="461665"/>
+          </a:xfrm>
+          <a:prstGeom prst="rect">
+            <a:avLst/>
+          </a:prstGeom>
+          <a:noFill/>
+        </p:spPr>
+        <p:txBody>
+          <a:bodyPr wrap="none" rtlCol="0">
+            <a:spAutoFit/>
+          </a:bodyPr>
+          <a:lstStyle/>
+          <a:p>
+            <a:r>
+              <a:rPr lang="en-US" sz="2400" b="1" dirty="0">
+                <a:solidFill>
+                  <a:srgbClr val="FFFFFF"/>
+                </a:solidFill>
+              </a:rPr>
+              <a:t>Vowels</a:t>
+            </a:r>
+            <a:r>
+              <a:rPr lang="en-US" sz="2400" b="1" dirty="0">
+                <a:solidFill>
+                  <a:schemeClr val="accent3"/>
+                </a:solidFill>
+              </a:rPr>
+              <a:t>:</a:t>
+            </a:r>
+            <a:r>
+              <a:rPr lang="en-US" sz="2400" b="1" dirty="0">
+                <a:solidFill>
+                  <a:srgbClr val="FFFFFF"/>
+                </a:solidFill>
+              </a:rPr>
+              <a:t> a</a:t>
+            </a:r>
+            <a:r>
+              <a:rPr lang="en-US" sz="2400" b="1" dirty="0">
+                <a:solidFill>
+                  <a:schemeClr val="accent3"/>
+                </a:solidFill>
+              </a:rPr>
+              <a:t>,</a:t>
+            </a:r>
+            <a:r>
+              <a:rPr lang="en-US" sz="2400" b="1" dirty="0">
+                <a:solidFill>
+                  <a:srgbClr val="FFFFFF"/>
+                </a:solidFill>
+              </a:rPr>
+              <a:t> e</a:t>
+            </a:r>
+            <a:r>
+              <a:rPr lang="en-US" sz="2400" b="1" dirty="0">
+                <a:solidFill>
+                  <a:schemeClr val="accent3"/>
+                </a:solidFill>
+              </a:rPr>
+              <a:t>,</a:t>
+            </a:r>
+            <a:r>
+              <a:rPr lang="en-US" sz="2400" b="1" dirty="0">
+                <a:solidFill>
+                  <a:srgbClr val="FFFFFF"/>
+                </a:solidFill>
+              </a:rPr>
+              <a:t> I</a:t>
+            </a:r>
+            <a:r>
+              <a:rPr lang="en-US" sz="2400" b="1" dirty="0">
+                <a:solidFill>
+                  <a:schemeClr val="accent3"/>
+                </a:solidFill>
+              </a:rPr>
+              <a:t>,</a:t>
+            </a:r>
+            <a:r>
+              <a:rPr lang="en-US" sz="2400" b="1" dirty="0">
+                <a:solidFill>
+                  <a:srgbClr val="FFFFFF"/>
+                </a:solidFill>
+              </a:rPr>
+              <a:t> o</a:t>
+            </a:r>
+            <a:r>
+              <a:rPr lang="en-US" sz="2400" b="1" dirty="0">
+                <a:solidFill>
+                  <a:schemeClr val="accent3"/>
+                </a:solidFill>
+              </a:rPr>
+              <a:t>,</a:t>
+            </a:r>
+            <a:r>
+              <a:rPr lang="en-US" sz="2400" b="1" dirty="0">
+                <a:solidFill>
+                  <a:srgbClr val="FFFFFF"/>
+                </a:solidFill>
+              </a:rPr>
+              <a:t> u</a:t>
+            </a:r>
+            <a:r>
+              <a:rPr lang="en-US" sz="2400" b="1" dirty="0">
+                <a:solidFill>
+                  <a:schemeClr val="accent3"/>
+                </a:solidFill>
+              </a:rPr>
+              <a:t>.</a:t>
+            </a:r>
+          </a:p>
+        </p:txBody>
+      </p:sp>
     </p:spTree>
     <p:extLst>
       <p:ext uri="{BB962C8B-B14F-4D97-AF65-F5344CB8AC3E}">
@@ -9620,13 +10071,69 @@
         </p:spPr>
         <p:txBody>
           <a:bodyPr>
-            <a:normAutofit/>
+            <a:normAutofit lnSpcReduction="10000"/>
           </a:bodyPr>
           <a:lstStyle/>
           <a:p>
             <a:r>
               <a:rPr lang="en-US" sz="3200" dirty="0"/>
-              <a:t>Write a function to return the unique separators in a string numeric codes</a:t>
+              <a:t>Write a function to return the unique separators in a string of integer codes</a:t>
+            </a:r>
+            <a:r>
+              <a:rPr lang="en-US" sz="3200" dirty="0">
+                <a:solidFill>
+                  <a:schemeClr val="accent1"/>
+                </a:solidFill>
+              </a:rPr>
+              <a:t>. (</a:t>
+            </a:r>
+            <a:r>
+              <a:rPr lang="en-US" sz="3200" dirty="0"/>
+              <a:t>use</a:t>
+            </a:r>
+            <a:r>
+              <a:rPr lang="en-US" sz="3200" dirty="0">
+                <a:solidFill>
+                  <a:schemeClr val="accent1"/>
+                </a:solidFill>
+              </a:rPr>
+              <a:t> </a:t>
+            </a:r>
+            <a:r>
+              <a:rPr lang="en-US" sz="3200" b="1" dirty="0">
+                <a:solidFill>
+                  <a:schemeClr val="accent6"/>
+                </a:solidFill>
+                <a:latin typeface="Courier New" panose="02070309020205020404" pitchFamily="49" charset="0"/>
+                <a:cs typeface="Courier New" panose="02070309020205020404" pitchFamily="49" charset="0"/>
+              </a:rPr>
+              <a:t>for</a:t>
+            </a:r>
+            <a:r>
+              <a:rPr lang="en-US" sz="3200" dirty="0">
+                <a:solidFill>
+                  <a:schemeClr val="accent1"/>
+                </a:solidFill>
+              </a:rPr>
+              <a:t> </a:t>
+            </a:r>
+            <a:r>
+              <a:rPr lang="en-US" sz="3200" dirty="0"/>
+              <a:t>loop</a:t>
+            </a:r>
+            <a:r>
+              <a:rPr lang="en-US" sz="3200" dirty="0">
+                <a:solidFill>
+                  <a:schemeClr val="accent1"/>
+                </a:solidFill>
+              </a:rPr>
+              <a:t>)</a:t>
+            </a:r>
+          </a:p>
+          <a:p>
+            <a:r>
+              <a:rPr lang="en-US" sz="3200" dirty="0"/>
+              <a:t>The string only contains integers and separators</a:t>
             </a:r>
             <a:r>
               <a:rPr lang="en-US" sz="3200" dirty="0">
